--- a/LP_DiffractionFraunhofer/Diffraction_Fraunhofer.pptx
+++ b/LP_DiffractionFraunhofer/Diffraction_Fraunhofer.pptx
@@ -9,6 +9,7 @@
     <p:sldId id="258" r:id="rId3"/>
     <p:sldId id="257" r:id="rId4"/>
     <p:sldId id="259" r:id="rId5"/>
+    <p:sldId id="260" r:id="rId6"/>
   </p:sldIdLst>
   <p:sldSz cx="12192000" cy="6858000"/>
   <p:notesSz cx="6858000" cy="9144000"/>
@@ -107,6 +108,11 @@
       </a:defRPr>
     </a:lvl9pPr>
   </p:defaultTextStyle>
+  <p:extLst>
+    <p:ext uri="{EFAFB233-063F-42B5-8137-9DF3F51BA10A}">
+      <p15:sldGuideLst xmlns:p15="http://schemas.microsoft.com/office/powerpoint/2012/main"/>
+    </p:ext>
+  </p:extLst>
 </p:presentation>
 </file>
 
@@ -3388,16 +3394,7 @@
                 </a:solidFill>
                 <a:latin typeface="Century Gothic" panose="020B0502020202020204" pitchFamily="34" charset="0"/>
               </a:rPr>
-              <a:t>Faux si a</a:t>
-            </a:r>
-            <a:r>
-              <a:rPr lang="fr-FR" sz="2400" dirty="0" smtClean="0">
-                <a:solidFill>
-                  <a:srgbClr val="FF0000"/>
-                </a:solidFill>
-                <a:latin typeface="Century Gothic" panose="020B0502020202020204" pitchFamily="34" charset="0"/>
-              </a:rPr>
-              <a:t> ≈ </a:t>
+              <a:t>Faux si a ≈ </a:t>
             </a:r>
             <a:r>
               <a:rPr lang="el-GR" sz="2400" dirty="0" smtClean="0">
@@ -3948,6 +3945,198 @@
     <p:extLst>
       <p:ext uri="{BB962C8B-B14F-4D97-AF65-F5344CB8AC3E}">
         <p14:creationId xmlns:p14="http://schemas.microsoft.com/office/powerpoint/2010/main" val="232464872"/>
+      </p:ext>
+    </p:extLst>
+  </p:cSld>
+  <p:clrMapOvr>
+    <a:masterClrMapping/>
+  </p:clrMapOvr>
+</p:sld>
+</file>
+
+<file path=ppt/slides/slide5.xml><?xml version="1.0" encoding="utf-8"?>
+<p:sld xmlns:a="http://schemas.openxmlformats.org/drawingml/2006/main" xmlns:r="http://schemas.openxmlformats.org/officeDocument/2006/relationships" xmlns:p="http://schemas.openxmlformats.org/presentationml/2006/main">
+  <p:cSld>
+    <p:spTree>
+      <p:nvGrpSpPr>
+        <p:cNvPr id="1" name=""/>
+        <p:cNvGrpSpPr/>
+        <p:nvPr/>
+      </p:nvGrpSpPr>
+      <p:grpSpPr>
+        <a:xfrm>
+          <a:off x="0" y="0"/>
+          <a:ext cx="0" cy="0"/>
+          <a:chOff x="0" y="0"/>
+          <a:chExt cx="0" cy="0"/>
+        </a:xfrm>
+      </p:grpSpPr>
+      <p:sp>
+        <p:nvSpPr>
+          <p:cNvPr id="2" name="Rectangle 1"/>
+          <p:cNvSpPr/>
+          <p:nvPr/>
+        </p:nvSpPr>
+        <p:spPr>
+          <a:xfrm>
+            <a:off x="0" y="0"/>
+            <a:ext cx="12192000" cy="1095555"/>
+          </a:xfrm>
+          <a:prstGeom prst="rect">
+            <a:avLst/>
+          </a:prstGeom>
+          <a:solidFill>
+            <a:schemeClr val="accent1">
+              <a:lumMod val="50000"/>
+            </a:schemeClr>
+          </a:solidFill>
+        </p:spPr>
+        <p:style>
+          <a:lnRef idx="2">
+            <a:schemeClr val="accent1">
+              <a:shade val="50000"/>
+            </a:schemeClr>
+          </a:lnRef>
+          <a:fillRef idx="1">
+            <a:schemeClr val="accent1"/>
+          </a:fillRef>
+          <a:effectRef idx="0">
+            <a:schemeClr val="accent1"/>
+          </a:effectRef>
+          <a:fontRef idx="minor">
+            <a:schemeClr val="lt1"/>
+          </a:fontRef>
+        </p:style>
+        <p:txBody>
+          <a:bodyPr rtlCol="0" anchor="ctr"/>
+          <a:lstStyle/>
+          <a:p>
+            <a:pPr algn="ctr"/>
+            <a:endParaRPr lang="fr-FR"/>
+          </a:p>
+        </p:txBody>
+      </p:sp>
+      <p:sp>
+        <p:nvSpPr>
+          <p:cNvPr id="3" name="ZoneTexte 2"/>
+          <p:cNvSpPr txBox="1"/>
+          <p:nvPr/>
+        </p:nvSpPr>
+        <p:spPr>
+          <a:xfrm>
+            <a:off x="0" y="255389"/>
+            <a:ext cx="12192000" cy="584775"/>
+          </a:xfrm>
+          <a:prstGeom prst="rect">
+            <a:avLst/>
+          </a:prstGeom>
+          <a:noFill/>
+        </p:spPr>
+        <p:txBody>
+          <a:bodyPr wrap="square" rtlCol="0">
+            <a:spAutoFit/>
+          </a:bodyPr>
+          <a:lstStyle/>
+          <a:p>
+            <a:pPr algn="ctr"/>
+            <a:r>
+              <a:rPr lang="fr-FR" sz="3200" dirty="0" smtClean="0">
+                <a:solidFill>
+                  <a:schemeClr val="bg1"/>
+                </a:solidFill>
+                <a:latin typeface="Century Gothic" panose="020B0502020202020204" pitchFamily="34" charset="0"/>
+              </a:rPr>
+              <a:t>Diffraction par un ensemble de gouttelettes</a:t>
+            </a:r>
+            <a:endParaRPr lang="fr-FR" sz="3200" dirty="0">
+              <a:solidFill>
+                <a:schemeClr val="bg1"/>
+              </a:solidFill>
+              <a:latin typeface="Century Gothic" panose="020B0502020202020204" pitchFamily="34" charset="0"/>
+            </a:endParaRPr>
+          </a:p>
+        </p:txBody>
+      </p:sp>
+      <p:pic>
+        <p:nvPicPr>
+          <p:cNvPr id="4" name="Image 3"/>
+          <p:cNvPicPr>
+            <a:picLocks noChangeAspect="1"/>
+          </p:cNvPicPr>
+          <p:nvPr/>
+        </p:nvPicPr>
+        <p:blipFill>
+          <a:blip r:embed="rId2" cstate="print">
+            <a:extLst>
+              <a:ext uri="{28A0092B-C50C-407E-A947-70E740481C1C}">
+                <a14:useLocalDpi xmlns:a14="http://schemas.microsoft.com/office/drawing/2010/main" val="0"/>
+              </a:ext>
+            </a:extLst>
+          </a:blip>
+          <a:stretch>
+            <a:fillRect/>
+          </a:stretch>
+        </p:blipFill>
+        <p:spPr>
+          <a:xfrm>
+            <a:off x="2682815" y="1536704"/>
+            <a:ext cx="6716484" cy="4475907"/>
+          </a:xfrm>
+          <a:prstGeom prst="rect">
+            <a:avLst/>
+          </a:prstGeom>
+        </p:spPr>
+      </p:pic>
+      <p:sp>
+        <p:nvSpPr>
+          <p:cNvPr id="5" name="ZoneTexte 4"/>
+          <p:cNvSpPr txBox="1"/>
+          <p:nvPr/>
+        </p:nvSpPr>
+        <p:spPr>
+          <a:xfrm>
+            <a:off x="6374922" y="6012611"/>
+            <a:ext cx="3024378" cy="261610"/>
+          </a:xfrm>
+          <a:prstGeom prst="rect">
+            <a:avLst/>
+          </a:prstGeom>
+          <a:noFill/>
+        </p:spPr>
+        <p:txBody>
+          <a:bodyPr wrap="square" rtlCol="0">
+            <a:spAutoFit/>
+          </a:bodyPr>
+          <a:lstStyle/>
+          <a:p>
+            <a:r>
+              <a:rPr lang="fr-FR" sz="1100" dirty="0"/>
+              <a:t>Crédits </a:t>
+            </a:r>
+            <a:r>
+              <a:rPr lang="fr-FR" sz="1100" dirty="0" smtClean="0"/>
+              <a:t>: Juan </a:t>
+            </a:r>
+            <a:r>
+              <a:rPr lang="fr-FR" sz="1100" dirty="0"/>
+              <a:t>Carlos </a:t>
+            </a:r>
+            <a:r>
+              <a:rPr lang="fr-FR" sz="1100" dirty="0" err="1" smtClean="0"/>
+              <a:t>Muñoz</a:t>
+            </a:r>
+            <a:r>
+              <a:rPr lang="fr-FR" sz="1100" dirty="0" smtClean="0"/>
+              <a:t>-Mateos/ESO, eso.org</a:t>
+            </a:r>
+            <a:endParaRPr lang="fr-FR" sz="1100" dirty="0"/>
+          </a:p>
+        </p:txBody>
+      </p:sp>
+    </p:spTree>
+    <p:extLst>
+      <p:ext uri="{BB962C8B-B14F-4D97-AF65-F5344CB8AC3E}">
+        <p14:creationId xmlns:p14="http://schemas.microsoft.com/office/powerpoint/2010/main" val="2562300290"/>
       </p:ext>
     </p:extLst>
   </p:cSld>
